--- a/Презентация Мукашева Айнур ИС-23-2.pptx
+++ b/Презентация Мукашева Айнур ИС-23-2.pptx
@@ -5610,7 +5610,7 @@
         </p:nvSpPr>
         <p:spPr>
           <a:xfrm>
-            <a:off x="2198623" y="1291209"/>
+            <a:off x="2198623" y="305054"/>
             <a:ext cx="6343650" cy="289560"/>
           </a:xfrm>
           <a:prstGeom prst="rect">
@@ -5669,7 +5669,7 @@
         </p:blipFill>
         <p:spPr>
           <a:xfrm>
-            <a:off x="2198370" y="1752600"/>
+            <a:off x="2198370" y="1981200"/>
             <a:ext cx="7724775" cy="4420870"/>
           </a:xfrm>
           <a:prstGeom prst="rect">
@@ -5682,6 +5682,446 @@
           </a:ln>
         </p:spPr>
       </p:pic>
+      <p:sp>
+        <p:nvSpPr>
+          <p:cNvPr id="3" name="Текстовое поле 2"/>
+          <p:cNvSpPr txBox="1"/>
+          <p:nvPr/>
+        </p:nvSpPr>
+        <p:spPr>
+          <a:xfrm>
+            <a:off x="2198370" y="838200"/>
+            <a:ext cx="9627235" cy="1040130"/>
+          </a:xfrm>
+          <a:prstGeom prst="rect">
+            <a:avLst/>
+          </a:prstGeom>
+        </p:spPr>
+        <p:txBody>
+          <a:bodyPr wrap="square">
+            <a:noAutofit/>
+          </a:bodyPr>
+          <a:p>
+            <a:pPr algn="just"/>
+            <a:r>
+              <a:rPr lang="en-US" altLang="en-US" sz="1800">
+                <a:latin typeface="Times New Roman" panose="02020603050405020304" charset="0"/>
+                <a:cs typeface="Times New Roman" panose="02020603050405020304" charset="0"/>
+              </a:rPr>
+              <a:t>Главная</a:t>
+            </a:r>
+            <a:r>
+              <a:rPr lang="en-US" altLang="ru-RU" sz="1800">
+                <a:latin typeface="Times New Roman" panose="02020603050405020304" charset="0"/>
+                <a:cs typeface="Times New Roman" panose="02020603050405020304" charset="0"/>
+              </a:rPr>
+              <a:t> </a:t>
+            </a:r>
+            <a:r>
+              <a:rPr lang="en-US" altLang="en-US" sz="1800">
+                <a:latin typeface="Times New Roman" panose="02020603050405020304" charset="0"/>
+                <a:cs typeface="Times New Roman" panose="02020603050405020304" charset="0"/>
+              </a:rPr>
+              <a:t>страница</a:t>
+            </a:r>
+            <a:r>
+              <a:rPr lang="en-US" altLang="ru-RU" sz="1800">
+                <a:latin typeface="Times New Roman" panose="02020603050405020304" charset="0"/>
+                <a:cs typeface="Times New Roman" panose="02020603050405020304" charset="0"/>
+              </a:rPr>
+              <a:t> </a:t>
+            </a:r>
+            <a:r>
+              <a:rPr lang="en-US" altLang="en-US" sz="1800">
+                <a:latin typeface="Times New Roman" panose="02020603050405020304" charset="0"/>
+                <a:cs typeface="Times New Roman" panose="02020603050405020304" charset="0"/>
+              </a:rPr>
+              <a:t>библиотеки</a:t>
+            </a:r>
+            <a:r>
+              <a:rPr lang="en-US" altLang="ru-RU" sz="1800">
+                <a:latin typeface="Times New Roman" panose="02020603050405020304" charset="0"/>
+                <a:cs typeface="Times New Roman" panose="02020603050405020304" charset="0"/>
+              </a:rPr>
+              <a:t> </a:t>
+            </a:r>
+            <a:r>
+              <a:rPr lang="en-US" altLang="en-US" sz="1800">
+                <a:latin typeface="Times New Roman" panose="02020603050405020304" charset="0"/>
+                <a:cs typeface="Times New Roman" panose="02020603050405020304" charset="0"/>
+              </a:rPr>
+              <a:t>содержит</a:t>
+            </a:r>
+            <a:r>
+              <a:rPr lang="en-US" altLang="ru-RU" sz="1800">
+                <a:latin typeface="Times New Roman" panose="02020603050405020304" charset="0"/>
+                <a:cs typeface="Times New Roman" panose="02020603050405020304" charset="0"/>
+              </a:rPr>
+              <a:t> </a:t>
+            </a:r>
+            <a:r>
+              <a:rPr lang="en-US" altLang="en-US" sz="1800">
+                <a:latin typeface="Times New Roman" panose="02020603050405020304" charset="0"/>
+                <a:cs typeface="Times New Roman" panose="02020603050405020304" charset="0"/>
+              </a:rPr>
+              <a:t>логотип</a:t>
+            </a:r>
+            <a:r>
+              <a:rPr lang="en-US" altLang="ru-RU" sz="1800">
+                <a:latin typeface="Times New Roman" panose="02020603050405020304" charset="0"/>
+                <a:cs typeface="Times New Roman" panose="02020603050405020304" charset="0"/>
+              </a:rPr>
+              <a:t>, </a:t>
+            </a:r>
+            <a:r>
+              <a:rPr lang="en-US" altLang="en-US" sz="1800">
+                <a:latin typeface="Times New Roman" panose="02020603050405020304" charset="0"/>
+                <a:cs typeface="Times New Roman" panose="02020603050405020304" charset="0"/>
+              </a:rPr>
+              <a:t>меню</a:t>
+            </a:r>
+            <a:r>
+              <a:rPr lang="en-US" altLang="ru-RU" sz="1800">
+                <a:latin typeface="Times New Roman" panose="02020603050405020304" charset="0"/>
+                <a:cs typeface="Times New Roman" panose="02020603050405020304" charset="0"/>
+              </a:rPr>
+              <a:t>, </a:t>
+            </a:r>
+            <a:r>
+              <a:rPr lang="en-US" altLang="en-US" sz="1800">
+                <a:latin typeface="Times New Roman" panose="02020603050405020304" charset="0"/>
+                <a:cs typeface="Times New Roman" panose="02020603050405020304" charset="0"/>
+              </a:rPr>
+              <a:t>переключатель</a:t>
+            </a:r>
+            <a:r>
+              <a:rPr lang="en-US" altLang="ru-RU" sz="1800">
+                <a:latin typeface="Times New Roman" panose="02020603050405020304" charset="0"/>
+                <a:cs typeface="Times New Roman" panose="02020603050405020304" charset="0"/>
+              </a:rPr>
+              <a:t> </a:t>
+            </a:r>
+            <a:r>
+              <a:rPr lang="en-US" altLang="en-US" sz="1800">
+                <a:latin typeface="Times New Roman" panose="02020603050405020304" charset="0"/>
+                <a:cs typeface="Times New Roman" panose="02020603050405020304" charset="0"/>
+              </a:rPr>
+              <a:t>темы</a:t>
+            </a:r>
+            <a:r>
+              <a:rPr lang="en-US" altLang="ru-RU" sz="1800">
+                <a:latin typeface="Times New Roman" panose="02020603050405020304" charset="0"/>
+                <a:cs typeface="Times New Roman" panose="02020603050405020304" charset="0"/>
+              </a:rPr>
+              <a:t>, </a:t>
+            </a:r>
+            <a:r>
+              <a:rPr lang="en-US" altLang="en-US" sz="1800">
+                <a:latin typeface="Times New Roman" panose="02020603050405020304" charset="0"/>
+                <a:cs typeface="Times New Roman" panose="02020603050405020304" charset="0"/>
+              </a:rPr>
+              <a:t>блоки</a:t>
+            </a:r>
+            <a:r>
+              <a:rPr lang="en-US" altLang="ru-RU" sz="1800">
+                <a:latin typeface="Times New Roman" panose="02020603050405020304" charset="0"/>
+                <a:cs typeface="Times New Roman" panose="02020603050405020304" charset="0"/>
+              </a:rPr>
+              <a:t> </a:t>
+            </a:r>
+            <a:r>
+              <a:rPr lang="en-US" altLang="en-US" sz="1800">
+                <a:latin typeface="Times New Roman" panose="02020603050405020304" charset="0"/>
+                <a:cs typeface="Times New Roman" panose="02020603050405020304" charset="0"/>
+              </a:rPr>
+              <a:t>новостей</a:t>
+            </a:r>
+            <a:r>
+              <a:rPr lang="en-US" altLang="ru-RU" sz="1800">
+                <a:latin typeface="Times New Roman" panose="02020603050405020304" charset="0"/>
+                <a:cs typeface="Times New Roman" panose="02020603050405020304" charset="0"/>
+              </a:rPr>
+              <a:t> </a:t>
+            </a:r>
+            <a:r>
+              <a:rPr lang="en-US" altLang="en-US" sz="1800">
+                <a:latin typeface="Times New Roman" panose="02020603050405020304" charset="0"/>
+                <a:cs typeface="Times New Roman" panose="02020603050405020304" charset="0"/>
+              </a:rPr>
+              <a:t>с</a:t>
+            </a:r>
+            <a:r>
+              <a:rPr lang="en-US" altLang="ru-RU" sz="1800">
+                <a:latin typeface="Times New Roman" panose="02020603050405020304" charset="0"/>
+                <a:cs typeface="Times New Roman" panose="02020603050405020304" charset="0"/>
+              </a:rPr>
+              <a:t> </a:t>
+            </a:r>
+            <a:r>
+              <a:rPr lang="en-US" altLang="en-US" sz="1800">
+                <a:latin typeface="Times New Roman" panose="02020603050405020304" charset="0"/>
+                <a:cs typeface="Times New Roman" panose="02020603050405020304" charset="0"/>
+              </a:rPr>
+              <a:t>изображениями</a:t>
+            </a:r>
+            <a:r>
+              <a:rPr lang="en-US" altLang="ru-RU" sz="1800">
+                <a:latin typeface="Times New Roman" panose="02020603050405020304" charset="0"/>
+                <a:cs typeface="Times New Roman" panose="02020603050405020304" charset="0"/>
+              </a:rPr>
+              <a:t> </a:t>
+            </a:r>
+            <a:r>
+              <a:rPr lang="en-US" altLang="en-US" sz="1800">
+                <a:latin typeface="Times New Roman" panose="02020603050405020304" charset="0"/>
+                <a:cs typeface="Times New Roman" panose="02020603050405020304" charset="0"/>
+              </a:rPr>
+              <a:t>и</a:t>
+            </a:r>
+            <a:r>
+              <a:rPr lang="en-US" altLang="ru-RU" sz="1800">
+                <a:latin typeface="Times New Roman" panose="02020603050405020304" charset="0"/>
+                <a:cs typeface="Times New Roman" panose="02020603050405020304" charset="0"/>
+              </a:rPr>
+              <a:t> </a:t>
+            </a:r>
+            <a:r>
+              <a:rPr lang="en-US" altLang="en-US" sz="1800">
+                <a:latin typeface="Times New Roman" panose="02020603050405020304" charset="0"/>
+                <a:cs typeface="Times New Roman" panose="02020603050405020304" charset="0"/>
+              </a:rPr>
+              <a:t>статистикой</a:t>
+            </a:r>
+            <a:r>
+              <a:rPr lang="en-US" altLang="ru-RU" sz="1800">
+                <a:latin typeface="Times New Roman" panose="02020603050405020304" charset="0"/>
+                <a:cs typeface="Times New Roman" panose="02020603050405020304" charset="0"/>
+              </a:rPr>
+              <a:t>. </a:t>
+            </a:r>
+            <a:r>
+              <a:rPr lang="en-US" altLang="en-US" sz="1800">
+                <a:latin typeface="Times New Roman" panose="02020603050405020304" charset="0"/>
+                <a:cs typeface="Times New Roman" panose="02020603050405020304" charset="0"/>
+              </a:rPr>
+              <a:t>Реализованы</a:t>
+            </a:r>
+            <a:r>
+              <a:rPr lang="en-US" altLang="ru-RU" sz="1800">
+                <a:latin typeface="Times New Roman" panose="02020603050405020304" charset="0"/>
+                <a:cs typeface="Times New Roman" panose="02020603050405020304" charset="0"/>
+              </a:rPr>
+              <a:t> </a:t>
+            </a:r>
+            <a:r>
+              <a:rPr lang="en-US" altLang="en-US" sz="1800">
+                <a:latin typeface="Times New Roman" panose="02020603050405020304" charset="0"/>
+                <a:cs typeface="Times New Roman" panose="02020603050405020304" charset="0"/>
+              </a:rPr>
+              <a:t>категории</a:t>
+            </a:r>
+            <a:r>
+              <a:rPr lang="en-US" altLang="ru-RU" sz="1800">
+                <a:latin typeface="Times New Roman" panose="02020603050405020304" charset="0"/>
+                <a:cs typeface="Times New Roman" panose="02020603050405020304" charset="0"/>
+              </a:rPr>
+              <a:t>, </a:t>
+            </a:r>
+            <a:r>
+              <a:rPr lang="en-US" altLang="en-US" sz="1800">
+                <a:latin typeface="Times New Roman" panose="02020603050405020304" charset="0"/>
+                <a:cs typeface="Times New Roman" panose="02020603050405020304" charset="0"/>
+              </a:rPr>
+              <a:t>списки</a:t>
+            </a:r>
+            <a:r>
+              <a:rPr lang="en-US" altLang="ru-RU" sz="1800">
+                <a:latin typeface="Times New Roman" panose="02020603050405020304" charset="0"/>
+                <a:cs typeface="Times New Roman" panose="02020603050405020304" charset="0"/>
+              </a:rPr>
+              <a:t> </a:t>
+            </a:r>
+            <a:r>
+              <a:rPr lang="en-US" altLang="en-US" sz="1800">
+                <a:latin typeface="Times New Roman" panose="02020603050405020304" charset="0"/>
+                <a:cs typeface="Times New Roman" panose="02020603050405020304" charset="0"/>
+              </a:rPr>
+              <a:t>и</a:t>
+            </a:r>
+            <a:r>
+              <a:rPr lang="en-US" altLang="ru-RU" sz="1800">
+                <a:latin typeface="Times New Roman" panose="02020603050405020304" charset="0"/>
+                <a:cs typeface="Times New Roman" panose="02020603050405020304" charset="0"/>
+              </a:rPr>
+              <a:t> </a:t>
+            </a:r>
+            <a:r>
+              <a:rPr lang="en-US" altLang="en-US" sz="1800">
+                <a:latin typeface="Times New Roman" panose="02020603050405020304" charset="0"/>
+                <a:cs typeface="Times New Roman" panose="02020603050405020304" charset="0"/>
+              </a:rPr>
+              <a:t>визуальные</a:t>
+            </a:r>
+            <a:r>
+              <a:rPr lang="en-US" altLang="ru-RU" sz="1800">
+                <a:latin typeface="Times New Roman" panose="02020603050405020304" charset="0"/>
+                <a:cs typeface="Times New Roman" panose="02020603050405020304" charset="0"/>
+              </a:rPr>
+              <a:t> </a:t>
+            </a:r>
+            <a:r>
+              <a:rPr lang="en-US" altLang="en-US" sz="1800">
+                <a:latin typeface="Times New Roman" panose="02020603050405020304" charset="0"/>
+                <a:cs typeface="Times New Roman" panose="02020603050405020304" charset="0"/>
+              </a:rPr>
+              <a:t>эффекты</a:t>
+            </a:r>
+            <a:r>
+              <a:rPr lang="en-US" altLang="ru-RU" sz="1800">
+                <a:latin typeface="Times New Roman" panose="02020603050405020304" charset="0"/>
+                <a:cs typeface="Times New Roman" panose="02020603050405020304" charset="0"/>
+              </a:rPr>
+              <a:t>. </a:t>
+            </a:r>
+            <a:r>
+              <a:rPr lang="en-US" altLang="en-US" sz="1800">
+                <a:latin typeface="Times New Roman" panose="02020603050405020304" charset="0"/>
+                <a:cs typeface="Times New Roman" panose="02020603050405020304" charset="0"/>
+              </a:rPr>
+              <a:t>Интерфейс</a:t>
+            </a:r>
+            <a:r>
+              <a:rPr lang="en-US" altLang="ru-RU" sz="1800">
+                <a:latin typeface="Times New Roman" panose="02020603050405020304" charset="0"/>
+                <a:cs typeface="Times New Roman" panose="02020603050405020304" charset="0"/>
+              </a:rPr>
+              <a:t> </a:t>
+            </a:r>
+            <a:r>
+              <a:rPr lang="en-US" altLang="en-US" sz="1800">
+                <a:latin typeface="Times New Roman" panose="02020603050405020304" charset="0"/>
+                <a:cs typeface="Times New Roman" panose="02020603050405020304" charset="0"/>
+              </a:rPr>
+              <a:t>адаптивен</a:t>
+            </a:r>
+            <a:r>
+              <a:rPr lang="en-US" altLang="ru-RU" sz="1800">
+                <a:latin typeface="Times New Roman" panose="02020603050405020304" charset="0"/>
+                <a:cs typeface="Times New Roman" panose="02020603050405020304" charset="0"/>
+              </a:rPr>
+              <a:t> </a:t>
+            </a:r>
+            <a:r>
+              <a:rPr lang="en-US" altLang="en-US" sz="1800">
+                <a:latin typeface="Times New Roman" panose="02020603050405020304" charset="0"/>
+                <a:cs typeface="Times New Roman" panose="02020603050405020304" charset="0"/>
+              </a:rPr>
+              <a:t>и</a:t>
+            </a:r>
+            <a:r>
+              <a:rPr lang="en-US" altLang="ru-RU" sz="1800">
+                <a:latin typeface="Times New Roman" panose="02020603050405020304" charset="0"/>
+                <a:cs typeface="Times New Roman" panose="02020603050405020304" charset="0"/>
+              </a:rPr>
+              <a:t> </a:t>
+            </a:r>
+            <a:r>
+              <a:rPr lang="en-US" altLang="en-US" sz="1800">
+                <a:latin typeface="Times New Roman" panose="02020603050405020304" charset="0"/>
+                <a:cs typeface="Times New Roman" panose="02020603050405020304" charset="0"/>
+              </a:rPr>
+              <a:t>соответствует</a:t>
+            </a:r>
+            <a:r>
+              <a:rPr lang="en-US" altLang="ru-RU" sz="1800">
+                <a:latin typeface="Times New Roman" panose="02020603050405020304" charset="0"/>
+                <a:cs typeface="Times New Roman" panose="02020603050405020304" charset="0"/>
+              </a:rPr>
+              <a:t> </a:t>
+            </a:r>
+            <a:r>
+              <a:rPr lang="en-US" altLang="en-US" sz="1800">
+                <a:latin typeface="Times New Roman" panose="02020603050405020304" charset="0"/>
+                <a:cs typeface="Times New Roman" panose="02020603050405020304" charset="0"/>
+              </a:rPr>
+              <a:t>требованиям</a:t>
+            </a:r>
+            <a:r>
+              <a:rPr lang="en-US" altLang="ru-RU" sz="1800">
+                <a:latin typeface="Times New Roman" panose="02020603050405020304" charset="0"/>
+                <a:cs typeface="Times New Roman" panose="02020603050405020304" charset="0"/>
+              </a:rPr>
+              <a:t> </a:t>
+            </a:r>
+            <a:r>
+              <a:rPr lang="en-US" altLang="en-US" sz="1800">
+                <a:latin typeface="Times New Roman" panose="02020603050405020304" charset="0"/>
+                <a:cs typeface="Times New Roman" panose="02020603050405020304" charset="0"/>
+              </a:rPr>
+              <a:t>проекта</a:t>
+            </a:r>
+            <a:r>
+              <a:rPr lang="en-US" altLang="ru-RU" sz="1800">
+                <a:latin typeface="Times New Roman" panose="02020603050405020304" charset="0"/>
+                <a:cs typeface="Times New Roman" panose="02020603050405020304" charset="0"/>
+              </a:rPr>
+              <a:t>.</a:t>
+            </a:r>
+            <a:endParaRPr lang="en-US" altLang="ru-RU" sz="1800">
+              <a:latin typeface="Times New Roman" panose="02020603050405020304" charset="0"/>
+              <a:cs typeface="Times New Roman" panose="02020603050405020304" charset="0"/>
+            </a:endParaRPr>
+          </a:p>
+          <a:p>
+            <a:endParaRPr lang="en-US" altLang="ru-RU" sz="1600">
+              <a:latin typeface="Times New Roman" panose="02020603050405020304" charset="0"/>
+              <a:cs typeface="Times New Roman" panose="02020603050405020304" charset="0"/>
+            </a:endParaRPr>
+          </a:p>
+          <a:p>
+            <a:endParaRPr lang="en-US" altLang="ru-RU" sz="1600">
+              <a:latin typeface="Times New Roman" panose="02020603050405020304" charset="0"/>
+              <a:cs typeface="Times New Roman" panose="02020603050405020304" charset="0"/>
+            </a:endParaRPr>
+          </a:p>
+          <a:p>
+            <a:endParaRPr lang="en-US" altLang="ru-RU" sz="1600">
+              <a:latin typeface="Times New Roman" panose="02020603050405020304" charset="0"/>
+              <a:cs typeface="Times New Roman" panose="02020603050405020304" charset="0"/>
+            </a:endParaRPr>
+          </a:p>
+          <a:p>
+            <a:endParaRPr lang="en-US" altLang="ru-RU" sz="1600">
+              <a:latin typeface="Times New Roman" panose="02020603050405020304" charset="0"/>
+              <a:cs typeface="Times New Roman" panose="02020603050405020304" charset="0"/>
+            </a:endParaRPr>
+          </a:p>
+          <a:p>
+            <a:endParaRPr lang="en-US" altLang="ru-RU" sz="1600">
+              <a:latin typeface="Times New Roman" panose="02020603050405020304" charset="0"/>
+              <a:cs typeface="Times New Roman" panose="02020603050405020304" charset="0"/>
+            </a:endParaRPr>
+          </a:p>
+          <a:p>
+            <a:endParaRPr lang="en-US" altLang="ru-RU" sz="1600">
+              <a:latin typeface="Times New Roman" panose="02020603050405020304" charset="0"/>
+              <a:cs typeface="Times New Roman" panose="02020603050405020304" charset="0"/>
+            </a:endParaRPr>
+          </a:p>
+          <a:p>
+            <a:endParaRPr lang="en-US" altLang="ru-RU" sz="1600">
+              <a:latin typeface="Times New Roman" panose="02020603050405020304" charset="0"/>
+              <a:cs typeface="Times New Roman" panose="02020603050405020304" charset="0"/>
+            </a:endParaRPr>
+          </a:p>
+          <a:p>
+            <a:endParaRPr lang="en-US" altLang="ru-RU" sz="1600">
+              <a:latin typeface="Times New Roman" panose="02020603050405020304" charset="0"/>
+              <a:cs typeface="Times New Roman" panose="02020603050405020304" charset="0"/>
+            </a:endParaRPr>
+          </a:p>
+        </p:txBody>
+      </p:sp>
     </p:spTree>
   </p:cSld>
   <p:clrMapOvr>
@@ -5715,7 +6155,7 @@
         </p:nvSpPr>
         <p:spPr>
           <a:xfrm>
-            <a:off x="2198623" y="1291209"/>
+            <a:off x="2198623" y="381254"/>
             <a:ext cx="6343650" cy="289560"/>
           </a:xfrm>
           <a:prstGeom prst="rect">
@@ -5744,7 +6184,7 @@
                 <a:latin typeface="Times New Roman" panose="02020603050405020304"/>
                 <a:cs typeface="Times New Roman" panose="02020603050405020304"/>
               </a:rPr>
-              <a:t>Скриншоты сайта (авторизация)</a:t>
+              <a:t>Скриншоты сайта (404)</a:t>
             </a:r>
             <a:endParaRPr lang="ru-RU" altLang="en-US" sz="1800" i="1" dirty="0">
               <a:solidFill>
@@ -5774,7 +6214,7 @@
         </p:blipFill>
         <p:spPr>
           <a:xfrm>
-            <a:off x="2198370" y="1828800"/>
+            <a:off x="2209800" y="1905000"/>
             <a:ext cx="7834630" cy="4255135"/>
           </a:xfrm>
           <a:prstGeom prst="rect">
@@ -5787,6 +6227,41 @@
           </a:ln>
         </p:spPr>
       </p:pic>
+      <p:sp>
+        <p:nvSpPr>
+          <p:cNvPr id="3" name="Текстовое поле 2"/>
+          <p:cNvSpPr txBox="1"/>
+          <p:nvPr/>
+        </p:nvSpPr>
+        <p:spPr>
+          <a:xfrm>
+            <a:off x="2198370" y="838200"/>
+            <a:ext cx="9798685" cy="922020"/>
+          </a:xfrm>
+          <a:prstGeom prst="rect">
+            <a:avLst/>
+          </a:prstGeom>
+        </p:spPr>
+        <p:txBody>
+          <a:bodyPr wrap="square">
+            <a:spAutoFit/>
+          </a:bodyPr>
+          <a:p>
+            <a:pPr algn="just"/>
+            <a:r>
+              <a:rPr lang="en-US" altLang="zh-CN" sz="1800">
+                <a:latin typeface="Times New Roman" panose="02020603050405020304" charset="0"/>
+                <a:cs typeface="Times New Roman" panose="02020603050405020304" charset="0"/>
+              </a:rPr>
+              <a:t>Страница 404 отображает анимацию книги, вращающейся вокруг своей оси, символизируя потерянную информацию. Дизайн оформлен в стиле основного интерфейса библиотеки и включает сообщение об ошибке с предложением вернуться на главную.</a:t>
+            </a:r>
+            <a:endParaRPr lang="en-US" altLang="zh-CN" sz="1800">
+              <a:latin typeface="Times New Roman" panose="02020603050405020304" charset="0"/>
+              <a:cs typeface="Times New Roman" panose="02020603050405020304" charset="0"/>
+            </a:endParaRPr>
+          </a:p>
+        </p:txBody>
+      </p:sp>
     </p:spTree>
   </p:cSld>
   <p:clrMapOvr>
@@ -5820,7 +6295,7 @@
         </p:nvSpPr>
         <p:spPr>
           <a:xfrm>
-            <a:off x="2198623" y="1291209"/>
+            <a:off x="2198623" y="381254"/>
             <a:ext cx="6343650" cy="289560"/>
           </a:xfrm>
           <a:prstGeom prst="rect">
@@ -5879,7 +6354,7 @@
         </p:blipFill>
         <p:spPr>
           <a:xfrm>
-            <a:off x="2209800" y="1752600"/>
+            <a:off x="2209800" y="1828800"/>
             <a:ext cx="7409815" cy="4230370"/>
           </a:xfrm>
           <a:prstGeom prst="rect">
@@ -5892,6 +6367,41 @@
           </a:ln>
         </p:spPr>
       </p:pic>
+      <p:sp>
+        <p:nvSpPr>
+          <p:cNvPr id="3" name="Текстовое поле 2"/>
+          <p:cNvSpPr txBox="1"/>
+          <p:nvPr/>
+        </p:nvSpPr>
+        <p:spPr>
+          <a:xfrm>
+            <a:off x="2209800" y="838200"/>
+            <a:ext cx="9505950" cy="922020"/>
+          </a:xfrm>
+          <a:prstGeom prst="rect">
+            <a:avLst/>
+          </a:prstGeom>
+        </p:spPr>
+        <p:txBody>
+          <a:bodyPr wrap="square">
+            <a:spAutoFit/>
+          </a:bodyPr>
+          <a:p>
+            <a:pPr algn="just"/>
+            <a:r>
+              <a:rPr lang="en-US" altLang="zh-CN" sz="1800">
+                <a:latin typeface="Times New Roman" panose="02020603050405020304" charset="0"/>
+                <a:cs typeface="Times New Roman" panose="02020603050405020304" charset="0"/>
+              </a:rPr>
+              <a:t>Каталог библиотеки содержит список книг с возможностью фильтрации по категориям, авторам, году издания и рейтингу. Реализована сортировка по различным параметрам. Интерфейс удобен для поиска и адаптирован под разные устройства.</a:t>
+            </a:r>
+            <a:endParaRPr lang="en-US" altLang="zh-CN" sz="1800">
+              <a:latin typeface="Times New Roman" panose="02020603050405020304" charset="0"/>
+              <a:cs typeface="Times New Roman" panose="02020603050405020304" charset="0"/>
+            </a:endParaRPr>
+          </a:p>
+        </p:txBody>
+      </p:sp>
     </p:spTree>
   </p:cSld>
   <p:clrMapOvr>
@@ -5925,7 +6435,7 @@
         </p:nvSpPr>
         <p:spPr>
           <a:xfrm>
-            <a:off x="2198623" y="1291209"/>
+            <a:off x="2198623" y="381254"/>
             <a:ext cx="6343650" cy="289560"/>
           </a:xfrm>
           <a:prstGeom prst="rect">
@@ -5984,7 +6494,7 @@
         </p:blipFill>
         <p:spPr>
           <a:xfrm>
-            <a:off x="2198370" y="1752600"/>
+            <a:off x="2198370" y="1828800"/>
             <a:ext cx="7705725" cy="4396740"/>
           </a:xfrm>
           <a:prstGeom prst="rect">
@@ -5997,6 +6507,41 @@
           </a:ln>
         </p:spPr>
       </p:pic>
+      <p:sp>
+        <p:nvSpPr>
+          <p:cNvPr id="3" name="Текстовое поле 2"/>
+          <p:cNvSpPr txBox="1"/>
+          <p:nvPr/>
+        </p:nvSpPr>
+        <p:spPr>
+          <a:xfrm>
+            <a:off x="2198370" y="762000"/>
+            <a:ext cx="9293860" cy="922020"/>
+          </a:xfrm>
+          <a:prstGeom prst="rect">
+            <a:avLst/>
+          </a:prstGeom>
+        </p:spPr>
+        <p:txBody>
+          <a:bodyPr wrap="square">
+            <a:spAutoFit/>
+          </a:bodyPr>
+          <a:p>
+            <a:pPr algn="just"/>
+            <a:r>
+              <a:rPr lang="en-US" altLang="zh-CN" sz="1800">
+                <a:latin typeface="Times New Roman" panose="02020603050405020304" charset="0"/>
+                <a:cs typeface="Times New Roman" panose="02020603050405020304" charset="0"/>
+              </a:rPr>
+              <a:t>Страница «Статистика» отображает ключевые аналитические данные о работе библиотеки в удобном и наглядном формате. Интерфейс реализован с использованием графиков и диаграмм, позволяющих быстро оценить активность и предпочтения пользователей</a:t>
+            </a:r>
+            <a:endParaRPr lang="en-US" altLang="zh-CN" sz="1800">
+              <a:latin typeface="Times New Roman" panose="02020603050405020304" charset="0"/>
+              <a:cs typeface="Times New Roman" panose="02020603050405020304" charset="0"/>
+            </a:endParaRPr>
+          </a:p>
+        </p:txBody>
+      </p:sp>
     </p:spTree>
   </p:cSld>
   <p:clrMapOvr>

--- a/Презентация Мукашева Айнур ИС-23-2.pptx
+++ b/Презентация Мукашева Айнур ИС-23-2.pptx
@@ -3382,7 +3382,7 @@
         <p:spPr>
           <a:xfrm>
             <a:off x="1270635" y="533400"/>
-            <a:ext cx="10854690" cy="1397635"/>
+            <a:ext cx="10660380" cy="1397635"/>
           </a:xfrm>
           <a:prstGeom prst="rect">
             <a:avLst/>
@@ -3394,7 +3394,7 @@
           </a:bodyPr>
           <a:lstStyle/>
           <a:p>
-            <a:pPr marL="12700">
+            <a:pPr marL="12700" algn="just">
               <a:lnSpc>
                 <a:spcPct val="100000"/>
               </a:lnSpc>
@@ -3985,7 +3985,7 @@
           </a:bodyPr>
           <a:lstStyle/>
           <a:p>
-            <a:pPr marL="12700">
+            <a:pPr marL="12700" algn="just">
               <a:lnSpc>
                 <a:spcPct val="100000"/>
               </a:lnSpc>
@@ -4024,7 +4024,7 @@
             </a:endParaRPr>
           </a:p>
           <a:p>
-            <a:pPr marL="680720" marR="5080" indent="-285750">
+            <a:pPr marL="680720" marR="5080" indent="-285750" algn="just">
               <a:lnSpc>
                 <a:spcPct val="100000"/>
               </a:lnSpc>
@@ -4286,7 +4286,7 @@
             </a:endParaRPr>
           </a:p>
           <a:p>
-            <a:pPr marL="680720" marR="5080" indent="-285750">
+            <a:pPr marL="680720" marR="5080" indent="-285750" algn="just">
               <a:lnSpc>
                 <a:spcPct val="100000"/>
               </a:lnSpc>
@@ -4548,7 +4548,7 @@
             </a:endParaRPr>
           </a:p>
           <a:p>
-            <a:pPr marL="680720" marR="5080" indent="-285750">
+            <a:pPr marL="680720" marR="5080" indent="-285750" algn="just">
               <a:lnSpc>
                 <a:spcPct val="100000"/>
               </a:lnSpc>
@@ -4870,7 +4870,7 @@
             </a:endParaRPr>
           </a:p>
           <a:p>
-            <a:pPr marL="680720" marR="5080" indent="-285750">
+            <a:pPr marL="680720" marR="5080" indent="-285750" algn="just">
               <a:lnSpc>
                 <a:spcPct val="100000"/>
               </a:lnSpc>
@@ -5092,7 +5092,7 @@
             </a:endParaRPr>
           </a:p>
           <a:p>
-            <a:pPr marL="680720" marR="5080" indent="-285750">
+            <a:pPr marL="680720" marR="5080" indent="-285750" algn="just">
               <a:lnSpc>
                 <a:spcPct val="100000"/>
               </a:lnSpc>
@@ -5254,7 +5254,7 @@
             </a:endParaRPr>
           </a:p>
           <a:p>
-            <a:pPr marL="680720" marR="5080" indent="-285750">
+            <a:pPr marL="680720" marR="5080" indent="-285750" algn="just">
               <a:lnSpc>
                 <a:spcPct val="100000"/>
               </a:lnSpc>
